--- a/predefence/presentation.pptx
+++ b/predefence/presentation.pptx
@@ -475,6 +475,90 @@
 </file>
 
 <file path=ppt/notesSlides/notesSlide1.xml><?xml version="1.0" encoding="utf-8"?>
+<p:notes xmlns:a="http://schemas.openxmlformats.org/drawingml/2006/main" xmlns:r="http://schemas.openxmlformats.org/officeDocument/2006/relationships" xmlns:p="http://schemas.openxmlformats.org/presentationml/2006/main">
+  <p:cSld>
+    <p:spTree>
+      <p:nvGrpSpPr>
+        <p:cNvPr id="1" name=""/>
+        <p:cNvGrpSpPr/>
+        <p:nvPr/>
+      </p:nvGrpSpPr>
+      <p:grpSpPr>
+        <a:xfrm>
+          <a:off x="0" y="0"/>
+          <a:ext cx="0" cy="0"/>
+          <a:chOff x="0" y="0"/>
+          <a:chExt cx="0" cy="0"/>
+        </a:xfrm>
+      </p:grpSpPr>
+      <p:sp>
+        <p:nvSpPr>
+          <p:cNvPr id="2" name="Образ слайда 1"/>
+          <p:cNvSpPr>
+            <a:spLocks noGrp="1" noRot="1" noChangeAspect="1"/>
+          </p:cNvSpPr>
+          <p:nvPr>
+            <p:ph type="sldImg"/>
+          </p:nvPr>
+        </p:nvSpPr>
+        <p:spPr/>
+      </p:sp>
+      <p:sp>
+        <p:nvSpPr>
+          <p:cNvPr id="3" name="Заметки 2"/>
+          <p:cNvSpPr>
+            <a:spLocks noGrp="1"/>
+          </p:cNvSpPr>
+          <p:nvPr>
+            <p:ph type="body" idx="1"/>
+          </p:nvPr>
+        </p:nvSpPr>
+        <p:spPr/>
+        <p:txBody>
+          <a:bodyPr/>
+          <a:lstStyle/>
+          <a:p>
+            <a:endParaRPr lang="ru-RU"/>
+          </a:p>
+        </p:txBody>
+      </p:sp>
+      <p:sp>
+        <p:nvSpPr>
+          <p:cNvPr id="4" name="Номер слайда 3"/>
+          <p:cNvSpPr>
+            <a:spLocks noGrp="1"/>
+          </p:cNvSpPr>
+          <p:nvPr>
+            <p:ph type="sldNum" sz="quarter" idx="10"/>
+          </p:nvPr>
+        </p:nvSpPr>
+        <p:spPr/>
+        <p:txBody>
+          <a:bodyPr/>
+          <a:lstStyle/>
+          <a:p>
+            <a:fld id="{1A54BB5C-0FBC-45F0-8E75-DB3E9D6B25F4}" type="slidenum">
+              <a:rPr lang="ru-RU" smtClean="0"/>
+              <a:t>1</a:t>
+            </a:fld>
+            <a:endParaRPr lang="ru-RU"/>
+          </a:p>
+        </p:txBody>
+      </p:sp>
+    </p:spTree>
+    <p:extLst>
+      <p:ext uri="{BB962C8B-B14F-4D97-AF65-F5344CB8AC3E}">
+        <p14:creationId xmlns:p14="http://schemas.microsoft.com/office/powerpoint/2010/main" val="1041316252"/>
+      </p:ext>
+    </p:extLst>
+  </p:cSld>
+  <p:clrMapOvr>
+    <a:masterClrMapping/>
+  </p:clrMapOvr>
+</p:notes>
+</file>
+
+<file path=ppt/notesSlides/notesSlide2.xml><?xml version="1.0" encoding="utf-8"?>
 <p:notes xmlns:a="http://schemas.openxmlformats.org/drawingml/2006/main" xmlns:r="http://schemas.openxmlformats.org/officeDocument/2006/relationships" xmlns:p="http://schemas.openxmlformats.org/presentationml/2006/main">
   <p:cSld>
     <p:spTree>
@@ -3786,6 +3870,13 @@
   <p:clrMapOvr>
     <a:masterClrMapping/>
   </p:clrMapOvr>
+  <p:timing>
+    <p:tnLst>
+      <p:par>
+        <p:cTn id="1" dur="indefinite" restart="never" nodeType="tmRoot"/>
+      </p:par>
+    </p:tnLst>
+  </p:timing>
 </p:sld>
 </file>
 
@@ -4706,14 +4797,14 @@
             <p:ph idx="1"/>
             <p:extLst>
               <p:ext uri="{D42A27DB-BD31-4B8C-83A1-F6EECF244321}">
-                <p14:modId xmlns:p14="http://schemas.microsoft.com/office/powerpoint/2010/main" val="4171379040"/>
+                <p14:modId xmlns:p14="http://schemas.microsoft.com/office/powerpoint/2010/main" val="2775561237"/>
               </p:ext>
             </p:extLst>
           </p:nvPr>
         </p:nvGraphicFramePr>
         <p:xfrm>
-          <a:off x="0" y="1484783"/>
-          <a:ext cx="9139782" cy="4896544"/>
+          <a:off x="107505" y="1487803"/>
+          <a:ext cx="8928991" cy="4896544"/>
         </p:xfrm>
         <a:graphic>
           <a:graphicData uri="http://schemas.openxmlformats.org/drawingml/2006/table">
@@ -4722,13 +4813,13 @@
                 <a:tableStyleId>{5940675A-B579-460E-94D1-54222C63F5DA}</a:tableStyleId>
               </a:tblPr>
               <a:tblGrid>
-                <a:gridCol w="2195736"/>
-                <a:gridCol w="1157341"/>
-                <a:gridCol w="1157341"/>
-                <a:gridCol w="1157341"/>
-                <a:gridCol w="1157341"/>
-                <a:gridCol w="1157341"/>
-                <a:gridCol w="1157341"/>
+                <a:gridCol w="2232247"/>
+                <a:gridCol w="1116124"/>
+                <a:gridCol w="1116124"/>
+                <a:gridCol w="1116124"/>
+                <a:gridCol w="1116124"/>
+                <a:gridCol w="1116124"/>
+                <a:gridCol w="1116124"/>
               </a:tblGrid>
               <a:tr h="904402">
                 <a:tc>
@@ -4736,6 +4827,7 @@
                     <a:bodyPr/>
                     <a:lstStyle/>
                     <a:p>
+                      <a:pPr algn="ctr"/>
                       <a:r>
                         <a:rPr lang="ru-RU" sz="1700" dirty="0" smtClean="0"/>
                         <a:t>Проект</a:t>
@@ -4743,19 +4835,21 @@
                       <a:endParaRPr lang="ru-RU" sz="1700" dirty="0"/>
                     </a:p>
                   </a:txBody>
-                  <a:tcPr/>
+                  <a:tcPr anchor="ctr"/>
                 </a:tc>
                 <a:tc>
                   <a:txBody>
                     <a:bodyPr/>
                     <a:lstStyle/>
                     <a:p>
+                      <a:pPr algn="ctr"/>
                       <a:r>
                         <a:rPr lang="en-US" sz="1700" dirty="0" smtClean="0"/>
                         <a:t>Airbnb</a:t>
                       </a:r>
                     </a:p>
                     <a:p>
+                      <a:pPr algn="ctr"/>
                       <a:r>
                         <a:rPr lang="en-US" sz="1700" dirty="0" err="1" smtClean="0"/>
                         <a:t>aerosolve</a:t>
@@ -4763,13 +4857,14 @@
                       <a:endParaRPr lang="ru-RU" sz="1700" dirty="0"/>
                     </a:p>
                   </a:txBody>
-                  <a:tcPr/>
+                  <a:tcPr anchor="ctr"/>
                 </a:tc>
                 <a:tc>
                   <a:txBody>
                     <a:bodyPr/>
                     <a:lstStyle/>
                     <a:p>
+                      <a:pPr algn="ctr"/>
                       <a:r>
                         <a:rPr lang="en-US" sz="1700" dirty="0" smtClean="0"/>
                         <a:t>Apache</a:t>
@@ -4781,13 +4876,14 @@
                       <a:endParaRPr lang="en-US" sz="1700" dirty="0" smtClean="0"/>
                     </a:p>
                   </a:txBody>
-                  <a:tcPr/>
+                  <a:tcPr anchor="ctr"/>
                 </a:tc>
                 <a:tc>
                   <a:txBody>
                     <a:bodyPr/>
                     <a:lstStyle/>
                     <a:p>
+                      <a:pPr algn="ctr"/>
                       <a:r>
                         <a:rPr lang="en-US" sz="1700" dirty="0" smtClean="0"/>
                         <a:t>Apache</a:t>
@@ -4799,13 +4895,14 @@
                       <a:endParaRPr lang="ru-RU" sz="1700" dirty="0"/>
                     </a:p>
                   </a:txBody>
-                  <a:tcPr/>
+                  <a:tcPr anchor="ctr"/>
                 </a:tc>
                 <a:tc>
                   <a:txBody>
                     <a:bodyPr/>
                     <a:lstStyle/>
                     <a:p>
+                      <a:pPr algn="ctr"/>
                       <a:r>
                         <a:rPr lang="en-US" sz="1700" dirty="0" smtClean="0"/>
                         <a:t>java-design-patterns</a:t>
@@ -4813,13 +4910,14 @@
                       <a:endParaRPr lang="ru-RU" sz="1700" dirty="0"/>
                     </a:p>
                   </a:txBody>
-                  <a:tcPr/>
+                  <a:tcPr anchor="ctr"/>
                 </a:tc>
                 <a:tc>
                   <a:txBody>
                     <a:bodyPr/>
                     <a:lstStyle/>
                     <a:p>
+                      <a:pPr algn="ctr"/>
                       <a:r>
                         <a:rPr lang="en-US" sz="1700" dirty="0" smtClean="0"/>
                         <a:t>Netflix </a:t>
@@ -4831,13 +4929,14 @@
                       <a:endParaRPr lang="ru-RU" sz="1700" dirty="0"/>
                     </a:p>
                   </a:txBody>
-                  <a:tcPr/>
+                  <a:tcPr anchor="ctr"/>
                 </a:tc>
                 <a:tc>
                   <a:txBody>
                     <a:bodyPr/>
                     <a:lstStyle/>
                     <a:p>
+                      <a:pPr algn="ctr"/>
                       <a:r>
                         <a:rPr lang="en-US" sz="1700" dirty="0" err="1" smtClean="0"/>
                         <a:t>scodec</a:t>
@@ -4845,7 +4944,7 @@
                       <a:endParaRPr lang="ru-RU" sz="1700" dirty="0"/>
                     </a:p>
                   </a:txBody>
-                  <a:tcPr/>
+                  <a:tcPr anchor="ctr"/>
                 </a:tc>
               </a:tr>
               <a:tr h="396595">
@@ -5548,7 +5647,7 @@
                     <a:lstStyle/>
                     <a:p>
                       <a:pPr algn="ctr"/>
-                      <a:endParaRPr lang="ru-RU" sz="2400"/>
+                      <a:endParaRPr lang="ru-RU" sz="2400" dirty="0"/>
                     </a:p>
                   </a:txBody>
                   <a:tcPr marL="0" marR="0" marT="0" marB="0" anchor="ctr"/>
@@ -5590,6 +5689,13 @@
   <p:clrMapOvr>
     <a:masterClrMapping/>
   </p:clrMapOvr>
+  <p:timing>
+    <p:tnLst>
+      <p:par>
+        <p:cTn id="1" dur="indefinite" restart="never" nodeType="tmRoot"/>
+      </p:par>
+    </p:tnLst>
+  </p:timing>
 </p:sld>
 </file>
 
@@ -5722,7 +5828,6 @@
               <a:rPr lang="ru-RU" sz="2200" dirty="0" smtClean="0"/>
               <a:t>Проведено исследование: выполнен поиск шаблонов проектирования в ряде существующих программ и библиотек</a:t>
             </a:r>
-            <a:endParaRPr lang="ru-RU" sz="2200" dirty="0" smtClean="0"/>
           </a:p>
         </p:txBody>
       </p:sp>
@@ -5927,7 +6032,7 @@
               <a:rPr lang="ru-RU" smtClean="0"/>
               <a:t>2</a:t>
             </a:fld>
-            <a:endParaRPr lang="ru-RU"/>
+            <a:endParaRPr lang="ru-RU" dirty="0"/>
           </a:p>
         </p:txBody>
       </p:sp>
@@ -6024,14 +6129,14 @@
           <p:nvPr>
             <p:extLst>
               <p:ext uri="{D42A27DB-BD31-4B8C-83A1-F6EECF244321}">
-                <p14:modId xmlns:p14="http://schemas.microsoft.com/office/powerpoint/2010/main" val="4226612408"/>
+                <p14:modId xmlns:p14="http://schemas.microsoft.com/office/powerpoint/2010/main" val="2588820455"/>
               </p:ext>
             </p:extLst>
           </p:nvPr>
         </p:nvGraphicFramePr>
         <p:xfrm>
-          <a:off x="1" y="1556794"/>
-          <a:ext cx="9144000" cy="4453681"/>
+          <a:off x="107503" y="1556794"/>
+          <a:ext cx="8928994" cy="4453681"/>
         </p:xfrm>
         <a:graphic>
           <a:graphicData uri="http://schemas.openxmlformats.org/drawingml/2006/table">
@@ -6040,9 +6145,9 @@
                 <a:tableStyleId>{5940675A-B579-460E-94D1-54222C63F5DA}</a:tableStyleId>
               </a:tblPr>
               <a:tblGrid>
-                <a:gridCol w="3109036"/>
-                <a:gridCol w="3109036"/>
-                <a:gridCol w="2925928"/>
+                <a:gridCol w="3035932"/>
+                <a:gridCol w="3035932"/>
+                <a:gridCol w="2857130"/>
               </a:tblGrid>
               <a:tr h="817724">
                 <a:tc>
@@ -6050,6 +6155,7 @@
                     <a:bodyPr/>
                     <a:lstStyle/>
                     <a:p>
+                      <a:pPr algn="ctr"/>
                       <a:r>
                         <a:rPr lang="ru-RU" sz="2000" dirty="0" smtClean="0"/>
                         <a:t>Класс метода</a:t>
@@ -6057,13 +6163,14 @@
                       <a:endParaRPr lang="ru-RU" sz="2000" dirty="0"/>
                     </a:p>
                   </a:txBody>
-                  <a:tcPr/>
+                  <a:tcPr anchor="ctr"/>
                 </a:tc>
                 <a:tc>
                   <a:txBody>
                     <a:bodyPr/>
                     <a:lstStyle/>
                     <a:p>
+                      <a:pPr algn="ctr"/>
                       <a:r>
                         <a:rPr lang="ru-RU" sz="2000" dirty="0" smtClean="0"/>
                         <a:t>Достоинства</a:t>
@@ -6071,13 +6178,14 @@
                       <a:endParaRPr lang="ru-RU" sz="2000" dirty="0"/>
                     </a:p>
                   </a:txBody>
-                  <a:tcPr/>
+                  <a:tcPr anchor="ctr"/>
                 </a:tc>
                 <a:tc>
                   <a:txBody>
                     <a:bodyPr/>
                     <a:lstStyle/>
                     <a:p>
+                      <a:pPr algn="ctr"/>
                       <a:r>
                         <a:rPr lang="ru-RU" sz="2000" dirty="0" smtClean="0"/>
                         <a:t>Недостатки</a:t>
@@ -6085,7 +6193,7 @@
                       <a:endParaRPr lang="ru-RU" sz="2000" dirty="0"/>
                     </a:p>
                   </a:txBody>
-                  <a:tcPr/>
+                  <a:tcPr anchor="ctr"/>
                 </a:tc>
               </a:tr>
               <a:tr h="1554244">
@@ -6454,20 +6562,20 @@
           <p:nvPr>
             <p:extLst>
               <p:ext uri="{D42A27DB-BD31-4B8C-83A1-F6EECF244321}">
-                <p14:modId xmlns:p14="http://schemas.microsoft.com/office/powerpoint/2010/main" val="678471398"/>
+                <p14:modId xmlns:p14="http://schemas.microsoft.com/office/powerpoint/2010/main" val="4007775177"/>
               </p:ext>
             </p:extLst>
           </p:nvPr>
         </p:nvGraphicFramePr>
         <p:xfrm>
-          <a:off x="107504" y="1412776"/>
-          <a:ext cx="8890329" cy="5256584"/>
+          <a:off x="0" y="1412776"/>
+          <a:ext cx="9144000" cy="5256584"/>
         </p:xfrm>
         <a:graphic>
           <a:graphicData uri="http://schemas.openxmlformats.org/presentationml/2006/ole">
             <mc:AlternateContent xmlns:mc="http://schemas.openxmlformats.org/markup-compatibility/2006">
               <mc:Choice xmlns:v="urn:schemas-microsoft-com:vml" Requires="v">
-                <p:oleObj spid="_x0000_s2077" name="Visio" r:id="rId3" imgW="6800867" imgH="4020496" progId="Visio.Drawing.11">
+                <p:oleObj spid="_x0000_s2090" name="Visio" r:id="rId3" imgW="6800867" imgH="4020496" progId="Visio.Drawing.11">
                   <p:embed/>
                 </p:oleObj>
               </mc:Choice>
@@ -6497,8 +6605,8 @@
                     </p:blipFill>
                     <p:spPr bwMode="auto">
                       <a:xfrm>
-                        <a:off x="107504" y="1412776"/>
-                        <a:ext cx="8890329" cy="5256584"/>
+                        <a:off x="0" y="1412776"/>
+                        <a:ext cx="9144000" cy="5256584"/>
                       </a:xfrm>
                       <a:prstGeom prst="rect">
                         <a:avLst/>
@@ -7339,8 +7447,8 @@
         </p:blipFill>
         <p:spPr bwMode="auto">
           <a:xfrm>
-            <a:off x="395536" y="3429000"/>
-            <a:ext cx="8370195" cy="3429000"/>
+            <a:off x="467544" y="3429000"/>
+            <a:ext cx="8280920" cy="3392427"/>
           </a:xfrm>
           <a:prstGeom prst="rect">
             <a:avLst/>
@@ -7719,16 +7827,39 @@
           </a:p>
         </p:txBody>
       </p:sp>
+      <p:sp>
+        <p:nvSpPr>
+          <p:cNvPr id="4" name="Номер слайда 3"/>
+          <p:cNvSpPr>
+            <a:spLocks noGrp="1"/>
+          </p:cNvSpPr>
+          <p:nvPr>
+            <p:ph type="sldNum" sz="quarter" idx="12"/>
+          </p:nvPr>
+        </p:nvSpPr>
+        <p:spPr/>
+        <p:txBody>
+          <a:bodyPr/>
+          <a:lstStyle/>
+          <a:p>
+            <a:fld id="{247FE056-B8ED-4141-8556-9F9011E0898D}" type="slidenum">
+              <a:rPr lang="ru-RU" smtClean="0"/>
+              <a:t>8</a:t>
+            </a:fld>
+            <a:endParaRPr lang="ru-RU"/>
+          </a:p>
+        </p:txBody>
+      </p:sp>
       <p:pic>
         <p:nvPicPr>
-          <p:cNvPr id="3074" name="Picture 2" descr="C:\Users\ElSid\Desktop\match_graph.png"/>
+          <p:cNvPr id="3077" name="Picture 5" descr="I:\bmstu\master\predefence\src\match_graph.png"/>
           <p:cNvPicPr>
             <a:picLocks noChangeAspect="1" noChangeArrowheads="1"/>
           </p:cNvPicPr>
           <p:nvPr/>
         </p:nvPicPr>
         <p:blipFill>
-          <a:blip r:embed="rId2">
+          <a:blip r:embed="rId2" cstate="print">
             <a:extLst>
               <a:ext uri="{28A0092B-C50C-407E-A947-70E740481C1C}">
                 <a14:useLocalDpi xmlns:a14="http://schemas.microsoft.com/office/drawing/2010/main" val="0"/>
@@ -7742,8 +7873,8 @@
         </p:blipFill>
         <p:spPr bwMode="auto">
           <a:xfrm>
-            <a:off x="2186416" y="1484784"/>
-            <a:ext cx="4833856" cy="5373216"/>
+            <a:off x="323528" y="1462840"/>
+            <a:ext cx="8064896" cy="5261301"/>
           </a:xfrm>
           <a:prstGeom prst="rect">
             <a:avLst/>
@@ -7760,29 +7891,6 @@
           </a:extLst>
         </p:spPr>
       </p:pic>
-      <p:sp>
-        <p:nvSpPr>
-          <p:cNvPr id="4" name="Номер слайда 3"/>
-          <p:cNvSpPr>
-            <a:spLocks noGrp="1"/>
-          </p:cNvSpPr>
-          <p:nvPr>
-            <p:ph type="sldNum" sz="quarter" idx="12"/>
-          </p:nvPr>
-        </p:nvSpPr>
-        <p:spPr/>
-        <p:txBody>
-          <a:bodyPr/>
-          <a:lstStyle/>
-          <a:p>
-            <a:fld id="{247FE056-B8ED-4141-8556-9F9011E0898D}" type="slidenum">
-              <a:rPr lang="ru-RU" smtClean="0"/>
-              <a:t>8</a:t>
-            </a:fld>
-            <a:endParaRPr lang="ru-RU"/>
-          </a:p>
-        </p:txBody>
-      </p:sp>
     </p:spTree>
     <p:extLst>
       <p:ext uri="{BB962C8B-B14F-4D97-AF65-F5344CB8AC3E}">
@@ -7833,20 +7941,20 @@
         <p:spPr/>
         <p:txBody>
           <a:bodyPr>
-            <a:normAutofit fontScale="90000"/>
+            <a:noAutofit/>
           </a:bodyPr>
           <a:lstStyle/>
           <a:p>
             <a:r>
-              <a:rPr lang="ru-RU" dirty="0" smtClean="0"/>
+              <a:rPr lang="ru-RU" sz="3200" dirty="0" smtClean="0"/>
               <a:t>Условие корректности результата алгоритма поиска изоморфных подграфов</a:t>
             </a:r>
-            <a:endParaRPr lang="ru-RU" dirty="0"/>
-          </a:p>
-        </p:txBody>
-      </p:sp>
-      <mc:AlternateContent xmlns:mc="http://schemas.openxmlformats.org/markup-compatibility/2006" xmlns:a14="http://schemas.microsoft.com/office/drawing/2010/main">
-        <mc:Choice Requires="a14">
+            <a:endParaRPr lang="ru-RU" sz="3200" dirty="0"/>
+          </a:p>
+        </p:txBody>
+      </p:sp>
+      <mc:AlternateContent xmlns:mc="http://schemas.openxmlformats.org/markup-compatibility/2006">
+        <mc:Choice xmlns:a14="http://schemas.microsoft.com/office/drawing/2010/main" Requires="a14">
           <p:sp>
             <p:nvSpPr>
               <p:cNvPr id="3" name="Объект 2"/>
@@ -7860,17 +7968,9 @@
             <p:spPr/>
             <p:txBody>
               <a:bodyPr>
-                <a:normAutofit fontScale="92500"/>
+                <a:normAutofit/>
               </a:bodyPr>
               <a:lstStyle/>
-              <a:p>
-                <a:pPr marL="0" indent="0" algn="ctr">
-                  <a:buNone/>
-                </a:pPr>
-                <a:endParaRPr lang="en-US" sz="2800" i="1" dirty="0" smtClean="0">
-                  <a:latin typeface="Cambria Math"/>
-                </a:endParaRPr>
-              </a:p>
               <a:p>
                 <a:pPr marL="0" indent="0" algn="ctr">
                   <a:buNone/>
@@ -9158,7 +9258,7 @@
             </p:txBody>
           </p:sp>
         </mc:Choice>
-        <mc:Fallback xmlns="">
+        <mc:Fallback>
           <p:sp>
             <p:nvSpPr>
               <p:cNvPr id="3" name="Объект 2"/>
@@ -9173,7 +9273,7 @@
               <a:blipFill rotWithShape="1">
                 <a:blip r:embed="rId2"/>
                 <a:stretch>
-                  <a:fillRect/>
+                  <a:fillRect t="-1213"/>
                 </a:stretch>
               </a:blipFill>
             </p:spPr>
@@ -9225,6 +9325,13 @@
   <p:clrMapOvr>
     <a:masterClrMapping/>
   </p:clrMapOvr>
+  <p:timing>
+    <p:tnLst>
+      <p:par>
+        <p:cTn id="1" dur="indefinite" restart="never" nodeType="tmRoot"/>
+      </p:par>
+    </p:tnLst>
+  </p:timing>
 </p:sld>
 </file>
 

--- a/predefence/presentation.pptx
+++ b/predefence/presentation.pptx
@@ -206,7 +206,7 @@
           <a:p>
             <a:fld id="{DF2D9C8A-8A49-48C1-9A63-6FDE8501B5D8}" type="datetimeFigureOut">
               <a:rPr lang="ru-RU" smtClean="0"/>
-              <a:t>14.06.2015</a:t>
+              <a:t>15.06.2015</a:t>
             </a:fld>
             <a:endParaRPr lang="ru-RU"/>
           </a:p>
@@ -823,7 +823,7 @@
           <a:p>
             <a:fld id="{D2D20BE3-6D92-4B6F-9179-2AF2B91517A8}" type="datetime1">
               <a:rPr lang="ru-RU" smtClean="0"/>
-              <a:t>14.06.2015</a:t>
+              <a:t>15.06.2015</a:t>
             </a:fld>
             <a:endParaRPr lang="ru-RU"/>
           </a:p>
@@ -993,7 +993,7 @@
           <a:p>
             <a:fld id="{CDF089AB-EA56-41EA-B798-B5F2D7D5F8B5}" type="datetime1">
               <a:rPr lang="ru-RU" smtClean="0"/>
-              <a:t>14.06.2015</a:t>
+              <a:t>15.06.2015</a:t>
             </a:fld>
             <a:endParaRPr lang="ru-RU"/>
           </a:p>
@@ -1173,7 +1173,7 @@
           <a:p>
             <a:fld id="{965ECD61-08A9-4234-B499-35F189DF0D1A}" type="datetime1">
               <a:rPr lang="ru-RU" smtClean="0"/>
-              <a:t>14.06.2015</a:t>
+              <a:t>15.06.2015</a:t>
             </a:fld>
             <a:endParaRPr lang="ru-RU"/>
           </a:p>
@@ -1343,7 +1343,7 @@
           <a:p>
             <a:fld id="{57C089F6-41F4-4177-976D-8BE3139C5A5E}" type="datetime1">
               <a:rPr lang="ru-RU" smtClean="0"/>
-              <a:t>14.06.2015</a:t>
+              <a:t>15.06.2015</a:t>
             </a:fld>
             <a:endParaRPr lang="ru-RU"/>
           </a:p>
@@ -1589,7 +1589,7 @@
           <a:p>
             <a:fld id="{6319F821-9D59-4407-B931-AB09950635CA}" type="datetime1">
               <a:rPr lang="ru-RU" smtClean="0"/>
-              <a:t>14.06.2015</a:t>
+              <a:t>15.06.2015</a:t>
             </a:fld>
             <a:endParaRPr lang="ru-RU"/>
           </a:p>
@@ -1877,7 +1877,7 @@
           <a:p>
             <a:fld id="{7602D4C4-331E-4D95-BE63-D80F4968A45C}" type="datetime1">
               <a:rPr lang="ru-RU" smtClean="0"/>
-              <a:t>14.06.2015</a:t>
+              <a:t>15.06.2015</a:t>
             </a:fld>
             <a:endParaRPr lang="ru-RU"/>
           </a:p>
@@ -2299,7 +2299,7 @@
           <a:p>
             <a:fld id="{7F55ECF1-2747-4DAA-AA79-178814006D9C}" type="datetime1">
               <a:rPr lang="ru-RU" smtClean="0"/>
-              <a:t>14.06.2015</a:t>
+              <a:t>15.06.2015</a:t>
             </a:fld>
             <a:endParaRPr lang="ru-RU"/>
           </a:p>
@@ -2417,7 +2417,7 @@
           <a:p>
             <a:fld id="{4D8E2375-9483-43CB-96F7-25D6FBD70495}" type="datetime1">
               <a:rPr lang="ru-RU" smtClean="0"/>
-              <a:t>14.06.2015</a:t>
+              <a:t>15.06.2015</a:t>
             </a:fld>
             <a:endParaRPr lang="ru-RU"/>
           </a:p>
@@ -2512,7 +2512,7 @@
           <a:p>
             <a:fld id="{68B228B5-8A0F-428C-821C-21AA1F01E317}" type="datetime1">
               <a:rPr lang="ru-RU" smtClean="0"/>
-              <a:t>14.06.2015</a:t>
+              <a:t>15.06.2015</a:t>
             </a:fld>
             <a:endParaRPr lang="ru-RU"/>
           </a:p>
@@ -2789,7 +2789,7 @@
           <a:p>
             <a:fld id="{FF720443-E40F-41C4-9120-570B533DC118}" type="datetime1">
               <a:rPr lang="ru-RU" smtClean="0"/>
-              <a:t>14.06.2015</a:t>
+              <a:t>15.06.2015</a:t>
             </a:fld>
             <a:endParaRPr lang="ru-RU"/>
           </a:p>
@@ -3042,7 +3042,7 @@
           <a:p>
             <a:fld id="{28CCEF56-6752-4B02-B6DE-F7C24C6E26FD}" type="datetime1">
               <a:rPr lang="ru-RU" smtClean="0"/>
-              <a:t>14.06.2015</a:t>
+              <a:t>15.06.2015</a:t>
             </a:fld>
             <a:endParaRPr lang="ru-RU"/>
           </a:p>
@@ -3255,7 +3255,7 @@
           <a:p>
             <a:fld id="{DC68214A-A763-465F-9566-7FE71A849146}" type="datetime1">
               <a:rPr lang="ru-RU" smtClean="0"/>
-              <a:t>14.06.2015</a:t>
+              <a:t>15.06.2015</a:t>
             </a:fld>
             <a:endParaRPr lang="ru-RU"/>
           </a:p>
@@ -4797,7 +4797,7 @@
             <p:ph idx="1"/>
             <p:extLst>
               <p:ext uri="{D42A27DB-BD31-4B8C-83A1-F6EECF244321}">
-                <p14:modId xmlns:p14="http://schemas.microsoft.com/office/powerpoint/2010/main" val="2775561237"/>
+                <p14:modId xmlns:p14="http://schemas.microsoft.com/office/powerpoint/2010/main" val="3591287808"/>
               </p:ext>
             </p:extLst>
           </p:nvPr>
@@ -5091,6 +5091,10 @@
                     <a:lstStyle/>
                     <a:p>
                       <a:pPr algn="ctr"/>
+                      <a:r>
+                        <a:rPr lang="en-US" sz="2400" dirty="0" smtClean="0"/>
+                        <a:t>+</a:t>
+                      </a:r>
                       <a:endParaRPr lang="ru-RU" sz="2400" dirty="0"/>
                     </a:p>
                   </a:txBody>
@@ -6575,7 +6579,7 @@
           <a:graphicData uri="http://schemas.openxmlformats.org/presentationml/2006/ole">
             <mc:AlternateContent xmlns:mc="http://schemas.openxmlformats.org/markup-compatibility/2006">
               <mc:Choice xmlns:v="urn:schemas-microsoft-com:vml" Requires="v">
-                <p:oleObj spid="_x0000_s2090" name="Visio" r:id="rId3" imgW="6800867" imgH="4020496" progId="Visio.Drawing.11">
+                <p:oleObj spid="_x0000_s2092" name="Visio" r:id="rId3" imgW="6800867" imgH="4020496" progId="Visio.Drawing.11">
                   <p:embed/>
                 </p:oleObj>
               </mc:Choice>
@@ -7953,8 +7957,8 @@
           </a:p>
         </p:txBody>
       </p:sp>
-      <mc:AlternateContent xmlns:mc="http://schemas.openxmlformats.org/markup-compatibility/2006">
-        <mc:Choice xmlns:a14="http://schemas.microsoft.com/office/drawing/2010/main" Requires="a14">
+      <mc:AlternateContent xmlns:mc="http://schemas.openxmlformats.org/markup-compatibility/2006" xmlns:a14="http://schemas.microsoft.com/office/drawing/2010/main">
+        <mc:Choice Requires="a14">
           <p:sp>
             <p:nvSpPr>
               <p:cNvPr id="3" name="Объект 2"/>
@@ -9258,7 +9262,7 @@
             </p:txBody>
           </p:sp>
         </mc:Choice>
-        <mc:Fallback>
+        <mc:Fallback xmlns="">
           <p:sp>
             <p:nvSpPr>
               <p:cNvPr id="3" name="Объект 2"/>
